--- a/mybatise.pptx
+++ b/mybatise.pptx
@@ -291,7 +291,7 @@
           <a:p>
             <a:fld id="{530820CF-B880-4189-942D-D702A7CBA730}" type="datetimeFigureOut">
               <a:rPr lang="zh-CN" altLang="en-US" smtClean="0"/>
-              <a:t>2020/4/3</a:t>
+              <a:t>2020/4/9</a:t>
             </a:fld>
             <a:endParaRPr lang="zh-CN" altLang="en-US"/>
           </a:p>
@@ -456,7 +456,7 @@
           <a:p>
             <a:fld id="{530820CF-B880-4189-942D-D702A7CBA730}" type="datetimeFigureOut">
               <a:rPr lang="zh-CN" altLang="en-US" smtClean="0"/>
-              <a:t>2020/4/3</a:t>
+              <a:t>2020/4/9</a:t>
             </a:fld>
             <a:endParaRPr lang="zh-CN" altLang="en-US"/>
           </a:p>
@@ -631,7 +631,7 @@
           <a:p>
             <a:fld id="{530820CF-B880-4189-942D-D702A7CBA730}" type="datetimeFigureOut">
               <a:rPr lang="zh-CN" altLang="en-US" smtClean="0"/>
-              <a:t>2020/4/3</a:t>
+              <a:t>2020/4/9</a:t>
             </a:fld>
             <a:endParaRPr lang="zh-CN" altLang="en-US"/>
           </a:p>
@@ -796,7 +796,7 @@
           <a:p>
             <a:fld id="{530820CF-B880-4189-942D-D702A7CBA730}" type="datetimeFigureOut">
               <a:rPr lang="zh-CN" altLang="en-US" smtClean="0"/>
-              <a:t>2020/4/3</a:t>
+              <a:t>2020/4/9</a:t>
             </a:fld>
             <a:endParaRPr lang="zh-CN" altLang="en-US"/>
           </a:p>
@@ -1037,7 +1037,7 @@
           <a:p>
             <a:fld id="{530820CF-B880-4189-942D-D702A7CBA730}" type="datetimeFigureOut">
               <a:rPr lang="zh-CN" altLang="en-US" smtClean="0"/>
-              <a:t>2020/4/3</a:t>
+              <a:t>2020/4/9</a:t>
             </a:fld>
             <a:endParaRPr lang="zh-CN" altLang="en-US"/>
           </a:p>
@@ -1320,7 +1320,7 @@
           <a:p>
             <a:fld id="{530820CF-B880-4189-942D-D702A7CBA730}" type="datetimeFigureOut">
               <a:rPr lang="zh-CN" altLang="en-US" smtClean="0"/>
-              <a:t>2020/4/3</a:t>
+              <a:t>2020/4/9</a:t>
             </a:fld>
             <a:endParaRPr lang="zh-CN" altLang="en-US"/>
           </a:p>
@@ -1737,7 +1737,7 @@
           <a:p>
             <a:fld id="{530820CF-B880-4189-942D-D702A7CBA730}" type="datetimeFigureOut">
               <a:rPr lang="zh-CN" altLang="en-US" smtClean="0"/>
-              <a:t>2020/4/3</a:t>
+              <a:t>2020/4/9</a:t>
             </a:fld>
             <a:endParaRPr lang="zh-CN" altLang="en-US"/>
           </a:p>
@@ -1850,7 +1850,7 @@
           <a:p>
             <a:fld id="{530820CF-B880-4189-942D-D702A7CBA730}" type="datetimeFigureOut">
               <a:rPr lang="zh-CN" altLang="en-US" smtClean="0"/>
-              <a:t>2020/4/3</a:t>
+              <a:t>2020/4/9</a:t>
             </a:fld>
             <a:endParaRPr lang="zh-CN" altLang="en-US"/>
           </a:p>
@@ -1940,7 +1940,7 @@
           <a:p>
             <a:fld id="{530820CF-B880-4189-942D-D702A7CBA730}" type="datetimeFigureOut">
               <a:rPr lang="zh-CN" altLang="en-US" smtClean="0"/>
-              <a:t>2020/4/3</a:t>
+              <a:t>2020/4/9</a:t>
             </a:fld>
             <a:endParaRPr lang="zh-CN" altLang="en-US"/>
           </a:p>
@@ -2212,7 +2212,7 @@
           <a:p>
             <a:fld id="{530820CF-B880-4189-942D-D702A7CBA730}" type="datetimeFigureOut">
               <a:rPr lang="zh-CN" altLang="en-US" smtClean="0"/>
-              <a:t>2020/4/3</a:t>
+              <a:t>2020/4/9</a:t>
             </a:fld>
             <a:endParaRPr lang="zh-CN" altLang="en-US"/>
           </a:p>
@@ -2460,7 +2460,7 @@
           <a:p>
             <a:fld id="{530820CF-B880-4189-942D-D702A7CBA730}" type="datetimeFigureOut">
               <a:rPr lang="zh-CN" altLang="en-US" smtClean="0"/>
-              <a:t>2020/4/3</a:t>
+              <a:t>2020/4/9</a:t>
             </a:fld>
             <a:endParaRPr lang="zh-CN" altLang="en-US"/>
           </a:p>
@@ -2668,7 +2668,7 @@
           <a:p>
             <a:fld id="{530820CF-B880-4189-942D-D702A7CBA730}" type="datetimeFigureOut">
               <a:rPr lang="zh-CN" altLang="en-US" smtClean="0"/>
-              <a:t>2020/4/3</a:t>
+              <a:t>2020/4/9</a:t>
             </a:fld>
             <a:endParaRPr lang="zh-CN" altLang="en-US"/>
           </a:p>
@@ -3133,7 +3133,6 @@
               <a:rPr lang="zh-CN" altLang="en-US" dirty="0"/>
               <a:t>的整体架构图</a:t>
             </a:r>
-            <a:endParaRPr lang="zh-CN" altLang="en-US" dirty="0"/>
           </a:p>
         </p:txBody>
       </p:sp>
@@ -3280,7 +3279,6 @@
               <a:rPr lang="zh-CN" altLang="en-US" dirty="0"/>
               <a:t>源码包对应的架构图</a:t>
             </a:r>
-            <a:endParaRPr lang="zh-CN" altLang="en-US" dirty="0"/>
           </a:p>
         </p:txBody>
       </p:sp>
@@ -3438,6 +3436,53 @@
           <a:bodyPr/>
           <a:lstStyle/>
           <a:p>
+            <a:pPr marL="0" indent="0">
+              <a:buNone/>
+            </a:pPr>
+            <a:r>
+              <a:rPr lang="en-US" altLang="zh-CN" dirty="0" err="1"/>
+              <a:t>SqlSessionFactory</a:t>
+            </a:r>
+            <a:endParaRPr lang="zh-CN" altLang="en-US" dirty="0"/>
+          </a:p>
+        </p:txBody>
+      </p:sp>
+      <p:sp>
+        <p:nvSpPr>
+          <p:cNvPr id="4" name="流程图: 内部贮存 3"/>
+          <p:cNvSpPr/>
+          <p:nvPr/>
+        </p:nvSpPr>
+        <p:spPr>
+          <a:xfrm>
+            <a:off x="2195736" y="3068960"/>
+            <a:ext cx="612648" cy="612648"/>
+          </a:xfrm>
+          <a:prstGeom prst="flowChartInternalStorage">
+            <a:avLst/>
+          </a:prstGeom>
+        </p:spPr>
+        <p:style>
+          <a:lnRef idx="2">
+            <a:schemeClr val="accent1">
+              <a:shade val="50000"/>
+            </a:schemeClr>
+          </a:lnRef>
+          <a:fillRef idx="1">
+            <a:schemeClr val="accent1"/>
+          </a:fillRef>
+          <a:effectRef idx="0">
+            <a:schemeClr val="accent1"/>
+          </a:effectRef>
+          <a:fontRef idx="minor">
+            <a:schemeClr val="lt1"/>
+          </a:fontRef>
+        </p:style>
+        <p:txBody>
+          <a:bodyPr rtlCol="0" anchor="ctr"/>
+          <a:lstStyle/>
+          <a:p>
+            <a:pPr algn="ctr"/>
             <a:endParaRPr lang="zh-CN" altLang="en-US"/>
           </a:p>
         </p:txBody>
